--- a/Thanh Thảo - 0912431/Seminar/topic#8b chapter 4-5___VER3.pptx
+++ b/Thanh Thảo - 0912431/Seminar/topic#8b chapter 4-5___VER3.pptx
@@ -4292,7 +4292,23 @@
                 <a:srgbClr val="000099"/>
               </a:solidFill>
             </a:rPr>
-            <a:t> 2 </a:t>
+            <a:t> </a:t>
+          </a:r>
+          <a:r>
+            <a:rPr lang="en-US" sz="2200" dirty="0" err="1" smtClean="0">
+              <a:solidFill>
+                <a:srgbClr val="000099"/>
+              </a:solidFill>
+            </a:rPr>
+            <a:t>các</a:t>
+          </a:r>
+          <a:r>
+            <a:rPr lang="en-US" sz="2200" dirty="0" smtClean="0">
+              <a:solidFill>
+                <a:srgbClr val="000099"/>
+              </a:solidFill>
+            </a:rPr>
+            <a:t> </a:t>
           </a:r>
           <a:r>
             <a:rPr lang="en-US" sz="2200" dirty="0" err="1" smtClean="0">
@@ -4697,7 +4713,23 @@
                 <a:srgbClr val="000099"/>
               </a:solidFill>
             </a:rPr>
-            <a:t> 2 </a:t>
+            <a:t> </a:t>
+          </a:r>
+          <a:r>
+            <a:rPr lang="en-US" sz="2200" dirty="0" err="1" smtClean="0">
+              <a:solidFill>
+                <a:srgbClr val="000099"/>
+              </a:solidFill>
+            </a:rPr>
+            <a:t>các</a:t>
+          </a:r>
+          <a:r>
+            <a:rPr lang="en-US" sz="2200" dirty="0" smtClean="0">
+              <a:solidFill>
+                <a:srgbClr val="000099"/>
+              </a:solidFill>
+            </a:rPr>
+            <a:t> </a:t>
           </a:r>
           <a:r>
             <a:rPr lang="en-US" sz="2200" dirty="0" err="1" smtClean="0">
@@ -7020,7 +7052,23 @@
                 <a:srgbClr val="000099"/>
               </a:solidFill>
             </a:rPr>
-            <a:t> 2 </a:t>
+            <a:t> </a:t>
+          </a:r>
+          <a:r>
+            <a:rPr lang="en-US" sz="2200" kern="1200" dirty="0" err="1" smtClean="0">
+              <a:solidFill>
+                <a:srgbClr val="000099"/>
+              </a:solidFill>
+            </a:rPr>
+            <a:t>các</a:t>
+          </a:r>
+          <a:r>
+            <a:rPr lang="en-US" sz="2200" kern="1200" dirty="0" smtClean="0">
+              <a:solidFill>
+                <a:srgbClr val="000099"/>
+              </a:solidFill>
+            </a:rPr>
+            <a:t> </a:t>
           </a:r>
           <a:r>
             <a:rPr lang="en-US" sz="2200" kern="1200" dirty="0" err="1" smtClean="0">
@@ -7457,7 +7505,23 @@
                 <a:srgbClr val="000099"/>
               </a:solidFill>
             </a:rPr>
-            <a:t> 2 </a:t>
+            <a:t> </a:t>
+          </a:r>
+          <a:r>
+            <a:rPr lang="en-US" sz="2200" kern="1200" dirty="0" err="1" smtClean="0">
+              <a:solidFill>
+                <a:srgbClr val="000099"/>
+              </a:solidFill>
+            </a:rPr>
+            <a:t>các</a:t>
+          </a:r>
+          <a:r>
+            <a:rPr lang="en-US" sz="2200" kern="1200" dirty="0" smtClean="0">
+              <a:solidFill>
+                <a:srgbClr val="000099"/>
+              </a:solidFill>
+            </a:rPr>
+            <a:t> </a:t>
           </a:r>
           <a:r>
             <a:rPr lang="en-US" sz="2200" kern="1200" dirty="0" err="1" smtClean="0">
@@ -11357,7 +11421,7 @@
             <a:fld id="{87C757F6-C249-406D-9C0B-A7ED7AF42791}" type="datetimeFigureOut">
               <a:rPr lang="en-US" smtClean="0"/>
               <a:pPr/>
-              <a:t>12/14/2011</a:t>
+              <a:t>12/15/2011</a:t>
             </a:fld>
             <a:endParaRPr lang="en-US"/>
           </a:p>
@@ -11433,7 +11497,7 @@
     </p:spTree>
     <p:extLst>
       <p:ext uri="{BB962C8B-B14F-4D97-AF65-F5344CB8AC3E}">
-        <p14:creationId xmlns:p14="http://schemas.microsoft.com/office/powerpoint/2010/main" xmlns="" val="3913521433"/>
+        <p14:creationId xmlns="" xmlns:p14="http://schemas.microsoft.com/office/powerpoint/2010/main" val="3913521433"/>
       </p:ext>
     </p:extLst>
   </p:cSld>
@@ -11563,7 +11627,7 @@
               <a:pPr>
                 <a:defRPr/>
               </a:pPr>
-              <a:t>12/14/2011</a:t>
+              <a:t>12/15/2011</a:t>
             </a:fld>
             <a:endParaRPr lang="en-US"/>
           </a:p>
@@ -11598,7 +11662,7 @@
           </a:ln>
           <a:extLst>
             <a:ext uri="{909E8E84-426E-40DD-AFC4-6F175D3DCCD1}">
-              <a14:hiddenFill xmlns:a14="http://schemas.microsoft.com/office/drawing/2010/main" xmlns="">
+              <a14:hiddenFill xmlns="" xmlns:a14="http://schemas.microsoft.com/office/drawing/2010/main">
                 <a:solidFill>
                   <a:srgbClr val="FFFFFF"/>
                 </a:solidFill>
@@ -11784,7 +11848,7 @@
     </p:spTree>
     <p:extLst>
       <p:ext uri="{BB962C8B-B14F-4D97-AF65-F5344CB8AC3E}">
-        <p14:creationId xmlns:p14="http://schemas.microsoft.com/office/powerpoint/2010/main" xmlns="" val="3629654720"/>
+        <p14:creationId xmlns="" xmlns:p14="http://schemas.microsoft.com/office/powerpoint/2010/main" val="3629654720"/>
       </p:ext>
     </p:extLst>
   </p:cSld>
@@ -11994,7 +12058,7 @@
     </p:spTree>
     <p:extLst>
       <p:ext uri="{BB962C8B-B14F-4D97-AF65-F5344CB8AC3E}">
-        <p14:creationId xmlns:p14="http://schemas.microsoft.com/office/powerpoint/2010/main" xmlns="" val="616765776"/>
+        <p14:creationId xmlns="" xmlns:p14="http://schemas.microsoft.com/office/powerpoint/2010/main" val="616765776"/>
       </p:ext>
     </p:extLst>
   </p:cSld>
@@ -12460,7 +12524,7 @@
     </p:spTree>
     <p:extLst>
       <p:ext uri="{BB962C8B-B14F-4D97-AF65-F5344CB8AC3E}">
-        <p14:creationId xmlns:p14="http://schemas.microsoft.com/office/powerpoint/2010/main" xmlns="" val="2507289483"/>
+        <p14:creationId xmlns="" xmlns:p14="http://schemas.microsoft.com/office/powerpoint/2010/main" val="2507289483"/>
       </p:ext>
     </p:extLst>
   </p:cSld>
@@ -12633,7 +12697,7 @@
     </p:spTree>
     <p:extLst>
       <p:ext uri="{BB962C8B-B14F-4D97-AF65-F5344CB8AC3E}">
-        <p14:creationId xmlns:p14="http://schemas.microsoft.com/office/powerpoint/2010/main" xmlns="" val="4225027656"/>
+        <p14:creationId xmlns="" xmlns:p14="http://schemas.microsoft.com/office/powerpoint/2010/main" val="4225027656"/>
       </p:ext>
     </p:extLst>
   </p:cSld>
@@ -13542,7 +13606,7 @@
     </p:spTree>
     <p:extLst>
       <p:ext uri="{BB962C8B-B14F-4D97-AF65-F5344CB8AC3E}">
-        <p14:creationId xmlns:p14="http://schemas.microsoft.com/office/powerpoint/2010/main" xmlns="" val="2079318605"/>
+        <p14:creationId xmlns="" xmlns:p14="http://schemas.microsoft.com/office/powerpoint/2010/main" val="2079318605"/>
       </p:ext>
     </p:extLst>
   </p:cSld>
@@ -14526,6 +14590,401 @@
             </a:r>
           </a:p>
           <a:p>
+            <a:r>
+              <a:rPr lang="en-US" sz="1200" kern="1200" dirty="0" err="1" smtClean="0">
+                <a:solidFill>
+                  <a:schemeClr val="tx1"/>
+                </a:solidFill>
+                <a:latin typeface="Calibri" pitchFamily="34" charset="0"/>
+                <a:ea typeface="+mn-ea"/>
+                <a:cs typeface="+mn-cs"/>
+              </a:rPr>
+              <a:t>Gặp</a:t>
+            </a:r>
+            <a:r>
+              <a:rPr lang="en-US" sz="1200" kern="1200" baseline="0" dirty="0" smtClean="0">
+                <a:solidFill>
+                  <a:schemeClr val="tx1"/>
+                </a:solidFill>
+                <a:latin typeface="Calibri" pitchFamily="34" charset="0"/>
+                <a:ea typeface="+mn-ea"/>
+                <a:cs typeface="+mn-cs"/>
+              </a:rPr>
+              <a:t> </a:t>
+            </a:r>
+            <a:r>
+              <a:rPr lang="en-US" sz="1200" kern="1200" baseline="0" dirty="0" err="1" smtClean="0">
+                <a:solidFill>
+                  <a:schemeClr val="tx1"/>
+                </a:solidFill>
+                <a:latin typeface="Calibri" pitchFamily="34" charset="0"/>
+                <a:ea typeface="+mn-ea"/>
+                <a:cs typeface="+mn-cs"/>
+              </a:rPr>
+              <a:t>khó</a:t>
+            </a:r>
+            <a:r>
+              <a:rPr lang="en-US" sz="1200" kern="1200" baseline="0" dirty="0" smtClean="0">
+                <a:solidFill>
+                  <a:schemeClr val="tx1"/>
+                </a:solidFill>
+                <a:latin typeface="Calibri" pitchFamily="34" charset="0"/>
+                <a:ea typeface="+mn-ea"/>
+                <a:cs typeface="+mn-cs"/>
+              </a:rPr>
+              <a:t> </a:t>
+            </a:r>
+            <a:r>
+              <a:rPr lang="en-US" sz="1200" kern="1200" baseline="0" dirty="0" err="1" smtClean="0">
+                <a:solidFill>
+                  <a:schemeClr val="tx1"/>
+                </a:solidFill>
+                <a:latin typeface="Calibri" pitchFamily="34" charset="0"/>
+                <a:ea typeface="+mn-ea"/>
+                <a:cs typeface="+mn-cs"/>
+              </a:rPr>
+              <a:t>khăn</a:t>
+            </a:r>
+            <a:r>
+              <a:rPr lang="en-US" sz="1200" kern="1200" baseline="0" dirty="0" smtClean="0">
+                <a:solidFill>
+                  <a:schemeClr val="tx1"/>
+                </a:solidFill>
+                <a:latin typeface="Calibri" pitchFamily="34" charset="0"/>
+                <a:ea typeface="+mn-ea"/>
+                <a:cs typeface="+mn-cs"/>
+              </a:rPr>
+              <a:t> </a:t>
+            </a:r>
+            <a:r>
+              <a:rPr lang="en-US" sz="1200" kern="1200" baseline="0" dirty="0" err="1" smtClean="0">
+                <a:solidFill>
+                  <a:schemeClr val="tx1"/>
+                </a:solidFill>
+                <a:latin typeface="Calibri" pitchFamily="34" charset="0"/>
+                <a:ea typeface="+mn-ea"/>
+                <a:cs typeface="+mn-cs"/>
+              </a:rPr>
+              <a:t>trong</a:t>
+            </a:r>
+            <a:r>
+              <a:rPr lang="en-US" sz="1200" kern="1200" baseline="0" dirty="0" smtClean="0">
+                <a:solidFill>
+                  <a:schemeClr val="tx1"/>
+                </a:solidFill>
+                <a:latin typeface="Calibri" pitchFamily="34" charset="0"/>
+                <a:ea typeface="+mn-ea"/>
+                <a:cs typeface="+mn-cs"/>
+              </a:rPr>
+              <a:t> </a:t>
+            </a:r>
+            <a:r>
+              <a:rPr lang="en-US" sz="1200" kern="1200" baseline="0" dirty="0" err="1" smtClean="0">
+                <a:solidFill>
+                  <a:schemeClr val="tx1"/>
+                </a:solidFill>
+                <a:latin typeface="Calibri" pitchFamily="34" charset="0"/>
+                <a:ea typeface="+mn-ea"/>
+                <a:cs typeface="+mn-cs"/>
+              </a:rPr>
+              <a:t>vấn</a:t>
+            </a:r>
+            <a:r>
+              <a:rPr lang="en-US" sz="1200" kern="1200" baseline="0" dirty="0" smtClean="0">
+                <a:solidFill>
+                  <a:schemeClr val="tx1"/>
+                </a:solidFill>
+                <a:latin typeface="Calibri" pitchFamily="34" charset="0"/>
+                <a:ea typeface="+mn-ea"/>
+                <a:cs typeface="+mn-cs"/>
+              </a:rPr>
+              <a:t> </a:t>
+            </a:r>
+            <a:r>
+              <a:rPr lang="en-US" sz="1200" kern="1200" baseline="0" dirty="0" err="1" smtClean="0">
+                <a:solidFill>
+                  <a:schemeClr val="tx1"/>
+                </a:solidFill>
+                <a:latin typeface="Calibri" pitchFamily="34" charset="0"/>
+                <a:ea typeface="+mn-ea"/>
+                <a:cs typeface="+mn-cs"/>
+              </a:rPr>
+              <a:t>đề</a:t>
+            </a:r>
+            <a:r>
+              <a:rPr lang="en-US" sz="1200" kern="1200" baseline="0" dirty="0" smtClean="0">
+                <a:solidFill>
+                  <a:schemeClr val="tx1"/>
+                </a:solidFill>
+                <a:latin typeface="Calibri" pitchFamily="34" charset="0"/>
+                <a:ea typeface="+mn-ea"/>
+                <a:cs typeface="+mn-cs"/>
+              </a:rPr>
+              <a:t> </a:t>
+            </a:r>
+            <a:r>
+              <a:rPr lang="en-US" sz="1200" kern="1200" baseline="0" dirty="0" err="1" smtClean="0">
+                <a:solidFill>
+                  <a:schemeClr val="tx1"/>
+                </a:solidFill>
+                <a:latin typeface="Calibri" pitchFamily="34" charset="0"/>
+                <a:ea typeface="+mn-ea"/>
+                <a:cs typeface="+mn-cs"/>
+              </a:rPr>
+              <a:t>xoá</a:t>
+            </a:r>
+            <a:r>
+              <a:rPr lang="en-US" sz="1200" kern="1200" baseline="0" dirty="0" smtClean="0">
+                <a:solidFill>
+                  <a:schemeClr val="tx1"/>
+                </a:solidFill>
+                <a:latin typeface="Calibri" pitchFamily="34" charset="0"/>
+                <a:ea typeface="+mn-ea"/>
+                <a:cs typeface="+mn-cs"/>
+              </a:rPr>
+              <a:t> </a:t>
+            </a:r>
+            <a:r>
+              <a:rPr lang="en-US" sz="1200" kern="1200" baseline="0" dirty="0" err="1" smtClean="0">
+                <a:solidFill>
+                  <a:schemeClr val="tx1"/>
+                </a:solidFill>
+                <a:latin typeface="Calibri" pitchFamily="34" charset="0"/>
+                <a:ea typeface="+mn-ea"/>
+                <a:cs typeface="+mn-cs"/>
+              </a:rPr>
+              <a:t>đối</a:t>
+            </a:r>
+            <a:r>
+              <a:rPr lang="en-US" sz="1200" kern="1200" baseline="0" dirty="0" smtClean="0">
+                <a:solidFill>
+                  <a:schemeClr val="tx1"/>
+                </a:solidFill>
+                <a:latin typeface="Calibri" pitchFamily="34" charset="0"/>
+                <a:ea typeface="+mn-ea"/>
+                <a:cs typeface="+mn-cs"/>
+              </a:rPr>
+              <a:t> </a:t>
+            </a:r>
+            <a:r>
+              <a:rPr lang="en-US" sz="1200" kern="1200" baseline="0" dirty="0" err="1" smtClean="0">
+                <a:solidFill>
+                  <a:schemeClr val="tx1"/>
+                </a:solidFill>
+                <a:latin typeface="Calibri" pitchFamily="34" charset="0"/>
+                <a:ea typeface="+mn-ea"/>
+                <a:cs typeface="+mn-cs"/>
+              </a:rPr>
+              <a:t>tượng</a:t>
+            </a:r>
+            <a:r>
+              <a:rPr lang="en-US" sz="1200" kern="1200" baseline="0" dirty="0" smtClean="0">
+                <a:solidFill>
+                  <a:schemeClr val="tx1"/>
+                </a:solidFill>
+                <a:latin typeface="Calibri" pitchFamily="34" charset="0"/>
+                <a:ea typeface="+mn-ea"/>
+                <a:cs typeface="+mn-cs"/>
+              </a:rPr>
+              <a:t> </a:t>
+            </a:r>
+            <a:r>
+              <a:rPr lang="en-US" sz="1200" kern="1200" baseline="0" dirty="0" err="1" smtClean="0">
+                <a:solidFill>
+                  <a:schemeClr val="tx1"/>
+                </a:solidFill>
+                <a:latin typeface="Calibri" pitchFamily="34" charset="0"/>
+                <a:ea typeface="+mn-ea"/>
+                <a:cs typeface="+mn-cs"/>
+              </a:rPr>
+              <a:t>việc</a:t>
+            </a:r>
+            <a:r>
+              <a:rPr lang="en-US" sz="1200" kern="1200" baseline="0" dirty="0" smtClean="0">
+                <a:solidFill>
+                  <a:schemeClr val="tx1"/>
+                </a:solidFill>
+                <a:latin typeface="Calibri" pitchFamily="34" charset="0"/>
+                <a:ea typeface="+mn-ea"/>
+                <a:cs typeface="+mn-cs"/>
+              </a:rPr>
+              <a:t> </a:t>
+            </a:r>
+            <a:r>
+              <a:rPr lang="en-US" sz="1200" kern="1200" baseline="0" dirty="0" err="1" smtClean="0">
+                <a:solidFill>
+                  <a:schemeClr val="tx1"/>
+                </a:solidFill>
+                <a:latin typeface="Calibri" pitchFamily="34" charset="0"/>
+                <a:ea typeface="+mn-ea"/>
+                <a:cs typeface="+mn-cs"/>
+              </a:rPr>
+              <a:t>truy</a:t>
+            </a:r>
+            <a:r>
+              <a:rPr lang="en-US" sz="1200" kern="1200" baseline="0" dirty="0" smtClean="0">
+                <a:solidFill>
+                  <a:schemeClr val="tx1"/>
+                </a:solidFill>
+                <a:latin typeface="Calibri" pitchFamily="34" charset="0"/>
+                <a:ea typeface="+mn-ea"/>
+                <a:cs typeface="+mn-cs"/>
+              </a:rPr>
+              <a:t> </a:t>
+            </a:r>
+            <a:r>
+              <a:rPr lang="en-US" sz="1200" kern="1200" baseline="0" dirty="0" err="1" smtClean="0">
+                <a:solidFill>
+                  <a:schemeClr val="tx1"/>
+                </a:solidFill>
+                <a:latin typeface="Calibri" pitchFamily="34" charset="0"/>
+                <a:ea typeface="+mn-ea"/>
+                <a:cs typeface="+mn-cs"/>
+              </a:rPr>
+              <a:t>xuất</a:t>
+            </a:r>
+            <a:r>
+              <a:rPr lang="en-US" sz="1200" kern="1200" baseline="0" dirty="0" smtClean="0">
+                <a:solidFill>
+                  <a:schemeClr val="tx1"/>
+                </a:solidFill>
+                <a:latin typeface="Calibri" pitchFamily="34" charset="0"/>
+                <a:ea typeface="+mn-ea"/>
+                <a:cs typeface="+mn-cs"/>
+              </a:rPr>
+              <a:t> đ1ôi </a:t>
+            </a:r>
+            <a:r>
+              <a:rPr lang="en-US" sz="1200" kern="1200" baseline="0" dirty="0" err="1" smtClean="0">
+                <a:solidFill>
+                  <a:schemeClr val="tx1"/>
+                </a:solidFill>
+                <a:latin typeface="Calibri" pitchFamily="34" charset="0"/>
+                <a:ea typeface="+mn-ea"/>
+                <a:cs typeface="+mn-cs"/>
+              </a:rPr>
+              <a:t>tượng</a:t>
+            </a:r>
+            <a:r>
+              <a:rPr lang="en-US" sz="1200" kern="1200" baseline="0" dirty="0" smtClean="0">
+                <a:solidFill>
+                  <a:schemeClr val="tx1"/>
+                </a:solidFill>
+                <a:latin typeface="Calibri" pitchFamily="34" charset="0"/>
+                <a:ea typeface="+mn-ea"/>
+                <a:cs typeface="+mn-cs"/>
+              </a:rPr>
+              <a:t> </a:t>
+            </a:r>
+            <a:r>
+              <a:rPr lang="en-US" sz="1200" kern="1200" baseline="0" dirty="0" err="1" smtClean="0">
+                <a:solidFill>
+                  <a:schemeClr val="tx1"/>
+                </a:solidFill>
+                <a:latin typeface="Calibri" pitchFamily="34" charset="0"/>
+                <a:ea typeface="+mn-ea"/>
+                <a:cs typeface="+mn-cs"/>
+              </a:rPr>
+              <a:t>có</a:t>
+            </a:r>
+            <a:r>
+              <a:rPr lang="en-US" sz="1200" kern="1200" baseline="0" dirty="0" smtClean="0">
+                <a:solidFill>
+                  <a:schemeClr val="tx1"/>
+                </a:solidFill>
+                <a:latin typeface="Calibri" pitchFamily="34" charset="0"/>
+                <a:ea typeface="+mn-ea"/>
+                <a:cs typeface="+mn-cs"/>
+              </a:rPr>
+              <a:t> </a:t>
+            </a:r>
+            <a:r>
+              <a:rPr lang="en-US" sz="1200" kern="1200" baseline="0" dirty="0" err="1" smtClean="0">
+                <a:solidFill>
+                  <a:schemeClr val="tx1"/>
+                </a:solidFill>
+                <a:latin typeface="Calibri" pitchFamily="34" charset="0"/>
+                <a:ea typeface="+mn-ea"/>
+                <a:cs typeface="+mn-cs"/>
+              </a:rPr>
+              <a:t>thể</a:t>
+            </a:r>
+            <a:r>
+              <a:rPr lang="en-US" sz="1200" kern="1200" baseline="0" dirty="0" smtClean="0">
+                <a:solidFill>
+                  <a:schemeClr val="tx1"/>
+                </a:solidFill>
+                <a:latin typeface="Calibri" pitchFamily="34" charset="0"/>
+                <a:ea typeface="+mn-ea"/>
+                <a:cs typeface="+mn-cs"/>
+              </a:rPr>
+              <a:t> </a:t>
+            </a:r>
+            <a:r>
+              <a:rPr lang="en-US" sz="1200" kern="1200" baseline="0" dirty="0" err="1" smtClean="0">
+                <a:solidFill>
+                  <a:schemeClr val="tx1"/>
+                </a:solidFill>
+                <a:latin typeface="Calibri" pitchFamily="34" charset="0"/>
+                <a:ea typeface="+mn-ea"/>
+                <a:cs typeface="+mn-cs"/>
+              </a:rPr>
+              <a:t>dẫn</a:t>
+            </a:r>
+            <a:r>
+              <a:rPr lang="en-US" sz="1200" kern="1200" baseline="0" dirty="0" smtClean="0">
+                <a:solidFill>
+                  <a:schemeClr val="tx1"/>
+                </a:solidFill>
+                <a:latin typeface="Calibri" pitchFamily="34" charset="0"/>
+                <a:ea typeface="+mn-ea"/>
+                <a:cs typeface="+mn-cs"/>
+              </a:rPr>
+              <a:t> </a:t>
+            </a:r>
+            <a:r>
+              <a:rPr lang="en-US" sz="1200" kern="1200" baseline="0" dirty="0" err="1" smtClean="0">
+                <a:solidFill>
+                  <a:schemeClr val="tx1"/>
+                </a:solidFill>
+                <a:latin typeface="Calibri" pitchFamily="34" charset="0"/>
+                <a:ea typeface="+mn-ea"/>
+                <a:cs typeface="+mn-cs"/>
+              </a:rPr>
+              <a:t>đến</a:t>
+            </a:r>
+            <a:r>
+              <a:rPr lang="en-US" sz="1200" kern="1200" baseline="0" dirty="0" smtClean="0">
+                <a:solidFill>
+                  <a:schemeClr val="tx1"/>
+                </a:solidFill>
+                <a:latin typeface="Calibri" pitchFamily="34" charset="0"/>
+                <a:ea typeface="+mn-ea"/>
+                <a:cs typeface="+mn-cs"/>
+              </a:rPr>
+              <a:t> </a:t>
+            </a:r>
+            <a:r>
+              <a:rPr lang="en-US" sz="1200" kern="1200" baseline="0" dirty="0" err="1" smtClean="0">
+                <a:solidFill>
+                  <a:schemeClr val="tx1"/>
+                </a:solidFill>
+                <a:latin typeface="Calibri" pitchFamily="34" charset="0"/>
+                <a:ea typeface="+mn-ea"/>
+                <a:cs typeface="+mn-cs"/>
+              </a:rPr>
+              <a:t>lỗi</a:t>
+            </a:r>
+            <a:endParaRPr lang="en-US" sz="1200" kern="1200" dirty="0" smtClean="0">
+              <a:solidFill>
+                <a:schemeClr val="tx1"/>
+              </a:solidFill>
+              <a:latin typeface="Calibri" pitchFamily="34" charset="0"/>
+              <a:ea typeface="+mn-ea"/>
+              <a:cs typeface="+mn-cs"/>
+            </a:endParaRPr>
+          </a:p>
+          <a:p>
             <a:endParaRPr lang="en-US" dirty="0"/>
           </a:p>
         </p:txBody>
@@ -14562,7 +15021,7 @@
     </p:spTree>
     <p:extLst>
       <p:ext uri="{BB962C8B-B14F-4D97-AF65-F5344CB8AC3E}">
-        <p14:creationId xmlns:p14="http://schemas.microsoft.com/office/powerpoint/2010/main" xmlns="" val="105879369"/>
+        <p14:creationId xmlns="" xmlns:p14="http://schemas.microsoft.com/office/powerpoint/2010/main" val="105879369"/>
       </p:ext>
     </p:extLst>
   </p:cSld>
@@ -15716,7 +16175,7 @@
           <a:blip r:embed="rId2" cstate="print">
             <a:extLst>
               <a:ext uri="{28A0092B-C50C-407E-A947-70E740481C1C}">
-                <a14:useLocalDpi xmlns:a14="http://schemas.microsoft.com/office/drawing/2010/main" xmlns="" val="0"/>
+                <a14:useLocalDpi xmlns="" xmlns:a14="http://schemas.microsoft.com/office/drawing/2010/main" val="0"/>
               </a:ext>
             </a:extLst>
           </a:blip>
@@ -15739,14 +16198,14 @@
           </a:ln>
           <a:extLst>
             <a:ext uri="{909E8E84-426E-40DD-AFC4-6F175D3DCCD1}">
-              <a14:hiddenFill xmlns:a14="http://schemas.microsoft.com/office/drawing/2010/main" xmlns="">
+              <a14:hiddenFill xmlns="" xmlns:a14="http://schemas.microsoft.com/office/drawing/2010/main">
                 <a:solidFill>
                   <a:srgbClr val="FFFFFF"/>
                 </a:solidFill>
               </a14:hiddenFill>
             </a:ext>
             <a:ext uri="{91240B29-F687-4F45-9708-019B960494DF}">
-              <a14:hiddenLine xmlns:a14="http://schemas.microsoft.com/office/drawing/2010/main" xmlns="" w="9525">
+              <a14:hiddenLine xmlns="" xmlns:a14="http://schemas.microsoft.com/office/drawing/2010/main" w="9525">
                 <a:solidFill>
                   <a:srgbClr val="000000"/>
                 </a:solidFill>
@@ -15780,14 +16239,14 @@
           </a:ln>
           <a:extLst>
             <a:ext uri="{909E8E84-426E-40DD-AFC4-6F175D3DCCD1}">
-              <a14:hiddenFill xmlns:a14="http://schemas.microsoft.com/office/drawing/2010/main" xmlns="">
+              <a14:hiddenFill xmlns="" xmlns:a14="http://schemas.microsoft.com/office/drawing/2010/main">
                 <a:solidFill>
                   <a:srgbClr val="FFFFFF"/>
                 </a:solidFill>
               </a14:hiddenFill>
             </a:ext>
             <a:ext uri="{91240B29-F687-4F45-9708-019B960494DF}">
-              <a14:hiddenLine xmlns:a14="http://schemas.microsoft.com/office/drawing/2010/main" xmlns="" w="9525">
+              <a14:hiddenLine xmlns="" xmlns:a14="http://schemas.microsoft.com/office/drawing/2010/main" w="9525">
                 <a:solidFill>
                   <a:srgbClr val="000000"/>
                 </a:solidFill>
@@ -15958,7 +16417,7 @@
           <a:blip r:embed="rId3" cstate="print">
             <a:extLst>
               <a:ext uri="{28A0092B-C50C-407E-A947-70E740481C1C}">
-                <a14:useLocalDpi xmlns:a14="http://schemas.microsoft.com/office/drawing/2010/main" xmlns="" val="0"/>
+                <a14:useLocalDpi xmlns="" xmlns:a14="http://schemas.microsoft.com/office/drawing/2010/main" val="0"/>
               </a:ext>
             </a:extLst>
           </a:blip>
@@ -15980,14 +16439,14 @@
           </a:ln>
           <a:extLst>
             <a:ext uri="{909E8E84-426E-40DD-AFC4-6F175D3DCCD1}">
-              <a14:hiddenFill xmlns:a14="http://schemas.microsoft.com/office/drawing/2010/main" xmlns="">
+              <a14:hiddenFill xmlns="" xmlns:a14="http://schemas.microsoft.com/office/drawing/2010/main">
                 <a:solidFill>
                   <a:srgbClr val="FFFFFF"/>
                 </a:solidFill>
               </a14:hiddenFill>
             </a:ext>
             <a:ext uri="{91240B29-F687-4F45-9708-019B960494DF}">
-              <a14:hiddenLine xmlns:a14="http://schemas.microsoft.com/office/drawing/2010/main" xmlns="" w="9525">
+              <a14:hiddenLine xmlns="" xmlns:a14="http://schemas.microsoft.com/office/drawing/2010/main" w="9525">
                 <a:solidFill>
                   <a:srgbClr val="000000"/>
                 </a:solidFill>
@@ -16128,7 +16587,7 @@
     </p:spTree>
     <p:extLst>
       <p:ext uri="{BB962C8B-B14F-4D97-AF65-F5344CB8AC3E}">
-        <p14:creationId xmlns:p14="http://schemas.microsoft.com/office/powerpoint/2010/main" xmlns="" val="1893186280"/>
+        <p14:creationId xmlns="" xmlns:p14="http://schemas.microsoft.com/office/powerpoint/2010/main" val="1893186280"/>
       </p:ext>
     </p:extLst>
   </p:cSld>
@@ -16338,7 +16797,7 @@
     </p:spTree>
     <p:extLst>
       <p:ext uri="{BB962C8B-B14F-4D97-AF65-F5344CB8AC3E}">
-        <p14:creationId xmlns:p14="http://schemas.microsoft.com/office/powerpoint/2010/main" xmlns="" val="3453700985"/>
+        <p14:creationId xmlns="" xmlns:p14="http://schemas.microsoft.com/office/powerpoint/2010/main" val="3453700985"/>
       </p:ext>
     </p:extLst>
   </p:cSld>
@@ -16442,7 +16901,7 @@
     </p:spTree>
     <p:extLst>
       <p:ext uri="{BB962C8B-B14F-4D97-AF65-F5344CB8AC3E}">
-        <p14:creationId xmlns:p14="http://schemas.microsoft.com/office/powerpoint/2010/main" xmlns="" val="3563382861"/>
+        <p14:creationId xmlns="" xmlns:p14="http://schemas.microsoft.com/office/powerpoint/2010/main" val="3563382861"/>
       </p:ext>
     </p:extLst>
   </p:cSld>
@@ -16488,7 +16947,7 @@
           <a:blip r:embed="rId2" cstate="print">
             <a:extLst>
               <a:ext uri="{28A0092B-C50C-407E-A947-70E740481C1C}">
-                <a14:useLocalDpi xmlns:a14="http://schemas.microsoft.com/office/drawing/2010/main" xmlns="" val="0"/>
+                <a14:useLocalDpi xmlns="" xmlns:a14="http://schemas.microsoft.com/office/drawing/2010/main" val="0"/>
               </a:ext>
             </a:extLst>
           </a:blip>
@@ -16511,14 +16970,14 @@
           </a:ln>
           <a:extLst>
             <a:ext uri="{909E8E84-426E-40DD-AFC4-6F175D3DCCD1}">
-              <a14:hiddenFill xmlns:a14="http://schemas.microsoft.com/office/drawing/2010/main" xmlns="">
+              <a14:hiddenFill xmlns="" xmlns:a14="http://schemas.microsoft.com/office/drawing/2010/main">
                 <a:solidFill>
                   <a:srgbClr val="FFFFFF"/>
                 </a:solidFill>
               </a14:hiddenFill>
             </a:ext>
             <a:ext uri="{91240B29-F687-4F45-9708-019B960494DF}">
-              <a14:hiddenLine xmlns:a14="http://schemas.microsoft.com/office/drawing/2010/main" xmlns="" w="9525">
+              <a14:hiddenLine xmlns="" xmlns:a14="http://schemas.microsoft.com/office/drawing/2010/main" w="9525">
                 <a:solidFill>
                   <a:srgbClr val="000000"/>
                 </a:solidFill>
@@ -16585,7 +17044,7 @@
           <a:blip r:embed="rId3" cstate="print">
             <a:extLst>
               <a:ext uri="{28A0092B-C50C-407E-A947-70E740481C1C}">
-                <a14:useLocalDpi xmlns:a14="http://schemas.microsoft.com/office/drawing/2010/main" xmlns="" val="0"/>
+                <a14:useLocalDpi xmlns="" xmlns:a14="http://schemas.microsoft.com/office/drawing/2010/main" val="0"/>
               </a:ext>
             </a:extLst>
           </a:blip>
@@ -16607,14 +17066,14 @@
           </a:ln>
           <a:extLst>
             <a:ext uri="{909E8E84-426E-40DD-AFC4-6F175D3DCCD1}">
-              <a14:hiddenFill xmlns:a14="http://schemas.microsoft.com/office/drawing/2010/main" xmlns="">
+              <a14:hiddenFill xmlns="" xmlns:a14="http://schemas.microsoft.com/office/drawing/2010/main">
                 <a:solidFill>
                   <a:srgbClr val="FFFFFF"/>
                 </a:solidFill>
               </a14:hiddenFill>
             </a:ext>
             <a:ext uri="{91240B29-F687-4F45-9708-019B960494DF}">
-              <a14:hiddenLine xmlns:a14="http://schemas.microsoft.com/office/drawing/2010/main" xmlns="" w="9525">
+              <a14:hiddenLine xmlns="" xmlns:a14="http://schemas.microsoft.com/office/drawing/2010/main" w="9525">
                 <a:solidFill>
                   <a:srgbClr val="000000"/>
                 </a:solidFill>
@@ -16686,7 +17145,7 @@
     </p:spTree>
     <p:extLst>
       <p:ext uri="{BB962C8B-B14F-4D97-AF65-F5344CB8AC3E}">
-        <p14:creationId xmlns:p14="http://schemas.microsoft.com/office/powerpoint/2010/main" xmlns="" val="1131774703"/>
+        <p14:creationId xmlns="" xmlns:p14="http://schemas.microsoft.com/office/powerpoint/2010/main" val="1131774703"/>
       </p:ext>
     </p:extLst>
   </p:cSld>
@@ -16849,7 +17308,7 @@
     </p:spTree>
     <p:extLst>
       <p:ext uri="{BB962C8B-B14F-4D97-AF65-F5344CB8AC3E}">
-        <p14:creationId xmlns:p14="http://schemas.microsoft.com/office/powerpoint/2010/main" xmlns="" val="2404878551"/>
+        <p14:creationId xmlns="" xmlns:p14="http://schemas.microsoft.com/office/powerpoint/2010/main" val="2404878551"/>
       </p:ext>
     </p:extLst>
   </p:cSld>
@@ -17069,7 +17528,7 @@
     </p:spTree>
     <p:extLst>
       <p:ext uri="{BB962C8B-B14F-4D97-AF65-F5344CB8AC3E}">
-        <p14:creationId xmlns:p14="http://schemas.microsoft.com/office/powerpoint/2010/main" xmlns="" val="828467256"/>
+        <p14:creationId xmlns="" xmlns:p14="http://schemas.microsoft.com/office/powerpoint/2010/main" val="828467256"/>
       </p:ext>
     </p:extLst>
   </p:cSld>
@@ -17173,7 +17632,7 @@
     </p:spTree>
     <p:extLst>
       <p:ext uri="{BB962C8B-B14F-4D97-AF65-F5344CB8AC3E}">
-        <p14:creationId xmlns:p14="http://schemas.microsoft.com/office/powerpoint/2010/main" xmlns="" val="707331683"/>
+        <p14:creationId xmlns="" xmlns:p14="http://schemas.microsoft.com/office/powerpoint/2010/main" val="707331683"/>
       </p:ext>
     </p:extLst>
   </p:cSld>
@@ -17403,7 +17862,7 @@
     </p:spTree>
     <p:extLst>
       <p:ext uri="{BB962C8B-B14F-4D97-AF65-F5344CB8AC3E}">
-        <p14:creationId xmlns:p14="http://schemas.microsoft.com/office/powerpoint/2010/main" xmlns="" val="914176768"/>
+        <p14:creationId xmlns="" xmlns:p14="http://schemas.microsoft.com/office/powerpoint/2010/main" val="914176768"/>
       </p:ext>
     </p:extLst>
   </p:cSld>
@@ -17623,7 +18082,7 @@
     </p:spTree>
     <p:extLst>
       <p:ext uri="{BB962C8B-B14F-4D97-AF65-F5344CB8AC3E}">
-        <p14:creationId xmlns:p14="http://schemas.microsoft.com/office/powerpoint/2010/main" xmlns="" val="1220320302"/>
+        <p14:creationId xmlns="" xmlns:p14="http://schemas.microsoft.com/office/powerpoint/2010/main" val="1220320302"/>
       </p:ext>
     </p:extLst>
   </p:cSld>
@@ -17865,7 +18324,7 @@
     </p:spTree>
     <p:extLst>
       <p:ext uri="{BB962C8B-B14F-4D97-AF65-F5344CB8AC3E}">
-        <p14:creationId xmlns:p14="http://schemas.microsoft.com/office/powerpoint/2010/main" xmlns="" val="1508634116"/>
+        <p14:creationId xmlns="" xmlns:p14="http://schemas.microsoft.com/office/powerpoint/2010/main" val="1508634116"/>
       </p:ext>
     </p:extLst>
   </p:cSld>
@@ -18085,7 +18544,7 @@
     </p:spTree>
     <p:extLst>
       <p:ext uri="{BB962C8B-B14F-4D97-AF65-F5344CB8AC3E}">
-        <p14:creationId xmlns:p14="http://schemas.microsoft.com/office/powerpoint/2010/main" xmlns="" val="941656840"/>
+        <p14:creationId xmlns="" xmlns:p14="http://schemas.microsoft.com/office/powerpoint/2010/main" val="941656840"/>
       </p:ext>
     </p:extLst>
   </p:cSld>
@@ -18139,7 +18598,7 @@
           <a:blip r:embed="rId13" cstate="print">
             <a:extLst>
               <a:ext uri="{28A0092B-C50C-407E-A947-70E740481C1C}">
-                <a14:useLocalDpi xmlns:a14="http://schemas.microsoft.com/office/drawing/2010/main" xmlns="" val="0"/>
+                <a14:useLocalDpi xmlns="" xmlns:a14="http://schemas.microsoft.com/office/drawing/2010/main" val="0"/>
               </a:ext>
             </a:extLst>
           </a:blip>
@@ -18162,14 +18621,14 @@
           </a:ln>
           <a:extLst>
             <a:ext uri="{909E8E84-426E-40DD-AFC4-6F175D3DCCD1}">
-              <a14:hiddenFill xmlns:a14="http://schemas.microsoft.com/office/drawing/2010/main" xmlns="">
+              <a14:hiddenFill xmlns="" xmlns:a14="http://schemas.microsoft.com/office/drawing/2010/main">
                 <a:solidFill>
                   <a:srgbClr val="FFFFFF"/>
                 </a:solidFill>
               </a14:hiddenFill>
             </a:ext>
             <a:ext uri="{91240B29-F687-4F45-9708-019B960494DF}">
-              <a14:hiddenLine xmlns:a14="http://schemas.microsoft.com/office/drawing/2010/main" xmlns="" w="9525">
+              <a14:hiddenLine xmlns="" xmlns:a14="http://schemas.microsoft.com/office/drawing/2010/main" w="9525">
                 <a:solidFill>
                   <a:srgbClr val="000000"/>
                 </a:solidFill>
@@ -18248,14 +18707,14 @@
           </a:ln>
           <a:extLst>
             <a:ext uri="{909E8E84-426E-40DD-AFC4-6F175D3DCCD1}">
-              <a14:hiddenFill xmlns:a14="http://schemas.microsoft.com/office/drawing/2010/main" xmlns="">
+              <a14:hiddenFill xmlns="" xmlns:a14="http://schemas.microsoft.com/office/drawing/2010/main">
                 <a:solidFill>
                   <a:srgbClr val="FFFFFF"/>
                 </a:solidFill>
               </a14:hiddenFill>
             </a:ext>
             <a:ext uri="{91240B29-F687-4F45-9708-019B960494DF}">
-              <a14:hiddenLine xmlns:a14="http://schemas.microsoft.com/office/drawing/2010/main" xmlns="" w="9525">
+              <a14:hiddenLine xmlns="" xmlns:a14="http://schemas.microsoft.com/office/drawing/2010/main" w="9525">
                 <a:solidFill>
                   <a:srgbClr val="000000"/>
                 </a:solidFill>
@@ -18334,14 +18793,14 @@
           </a:ln>
           <a:extLst>
             <a:ext uri="{909E8E84-426E-40DD-AFC4-6F175D3DCCD1}">
-              <a14:hiddenFill xmlns:a14="http://schemas.microsoft.com/office/drawing/2010/main" xmlns="">
+              <a14:hiddenFill xmlns="" xmlns:a14="http://schemas.microsoft.com/office/drawing/2010/main">
                 <a:solidFill>
                   <a:srgbClr val="FFFFFF"/>
                 </a:solidFill>
               </a14:hiddenFill>
             </a:ext>
             <a:ext uri="{91240B29-F687-4F45-9708-019B960494DF}">
-              <a14:hiddenLine xmlns:a14="http://schemas.microsoft.com/office/drawing/2010/main" xmlns="" w="9525">
+              <a14:hiddenLine xmlns="" xmlns:a14="http://schemas.microsoft.com/office/drawing/2010/main" w="9525">
                 <a:solidFill>
                   <a:srgbClr val="000000"/>
                 </a:solidFill>
@@ -18380,7 +18839,7 @@
           <a:blip r:embed="rId14" cstate="print">
             <a:extLst>
               <a:ext uri="{28A0092B-C50C-407E-A947-70E740481C1C}">
-                <a14:useLocalDpi xmlns:a14="http://schemas.microsoft.com/office/drawing/2010/main" xmlns="" val="0"/>
+                <a14:useLocalDpi xmlns="" xmlns:a14="http://schemas.microsoft.com/office/drawing/2010/main" val="0"/>
               </a:ext>
             </a:extLst>
           </a:blip>
@@ -18402,14 +18861,14 @@
           </a:ln>
           <a:extLst>
             <a:ext uri="{909E8E84-426E-40DD-AFC4-6F175D3DCCD1}">
-              <a14:hiddenFill xmlns:a14="http://schemas.microsoft.com/office/drawing/2010/main" xmlns="">
+              <a14:hiddenFill xmlns="" xmlns:a14="http://schemas.microsoft.com/office/drawing/2010/main">
                 <a:solidFill>
                   <a:srgbClr val="FFFFFF"/>
                 </a:solidFill>
               </a14:hiddenFill>
             </a:ext>
             <a:ext uri="{91240B29-F687-4F45-9708-019B960494DF}">
-              <a14:hiddenLine xmlns:a14="http://schemas.microsoft.com/office/drawing/2010/main" xmlns="" w="9525">
+              <a14:hiddenLine xmlns="" xmlns:a14="http://schemas.microsoft.com/office/drawing/2010/main" w="9525">
                 <a:solidFill>
                   <a:srgbClr val="000000"/>
                 </a:solidFill>
@@ -21081,7 +21540,7 @@
             <a:blip r:embed="rId2" cstate="print">
               <a:extLst>
                 <a:ext uri="{28A0092B-C50C-407E-A947-70E740481C1C}">
-                  <a14:useLocalDpi xmlns:a14="http://schemas.microsoft.com/office/drawing/2010/main" xmlns="" val="0"/>
+                  <a14:useLocalDpi xmlns="" xmlns:a14="http://schemas.microsoft.com/office/drawing/2010/main" val="0"/>
                 </a:ext>
               </a:extLst>
             </a:blip>
@@ -21812,8 +22271,8 @@
         </p:nvSpPr>
         <p:spPr>
           <a:xfrm>
-            <a:off x="533400" y="2111896"/>
-            <a:ext cx="2834640" cy="2286000"/>
+            <a:off x="228600" y="2111896"/>
+            <a:ext cx="3139440" cy="2286000"/>
           </a:xfrm>
           <a:prstGeom prst="rect">
             <a:avLst/>
@@ -21869,7 +22328,7 @@
                   <a:srgbClr val="000099"/>
                 </a:solidFill>
               </a:rPr>
-              <a:t>tno</a:t>
+              <a:t>maRap</a:t>
             </a:r>
             <a:r>
               <a:rPr lang="en-US" sz="2000" dirty="0" smtClean="0">
@@ -21877,27 +22336,59 @@
                   <a:srgbClr val="000099"/>
                 </a:solidFill>
               </a:rPr>
-              <a:t> 	   integer</a:t>
+              <a:t>    </a:t>
+            </a:r>
+            <a:r>
+              <a:rPr lang="en-US" sz="2000" dirty="0" smtClean="0">
+                <a:solidFill>
+                  <a:srgbClr val="000099"/>
+                </a:solidFill>
+              </a:rPr>
+              <a:t>integer</a:t>
             </a:r>
           </a:p>
           <a:p>
             <a:r>
+              <a:rPr lang="en-US" sz="2000" dirty="0" err="1" smtClean="0">
+                <a:solidFill>
+                  <a:srgbClr val="000099"/>
+                </a:solidFill>
+              </a:rPr>
+              <a:t>tenRap</a:t>
+            </a:r>
+            <a:r>
               <a:rPr lang="en-US" sz="2000" dirty="0" smtClean="0">
                 <a:solidFill>
                   <a:srgbClr val="000099"/>
                 </a:solidFill>
               </a:rPr>
-              <a:t>Name	   text</a:t>
+              <a:t>	   text</a:t>
             </a:r>
           </a:p>
           <a:p>
             <a:r>
+              <a:rPr lang="en-US" sz="2000" dirty="0" err="1" smtClean="0">
+                <a:solidFill>
+                  <a:srgbClr val="000099"/>
+                </a:solidFill>
+              </a:rPr>
+              <a:t>điaChi</a:t>
+            </a:r>
+            <a:r>
               <a:rPr lang="en-US" sz="2000" dirty="0" smtClean="0">
                 <a:solidFill>
                   <a:srgbClr val="000099"/>
                 </a:solidFill>
               </a:rPr>
-              <a:t>address   text</a:t>
+              <a:t>   </a:t>
+            </a:r>
+            <a:r>
+              <a:rPr lang="en-US" sz="2000" dirty="0" smtClean="0">
+                <a:solidFill>
+                  <a:srgbClr val="000099"/>
+                </a:solidFill>
+              </a:rPr>
+              <a:t>text</a:t>
             </a:r>
           </a:p>
           <a:p>
@@ -21907,7 +22398,23 @@
                   <a:srgbClr val="000099"/>
                 </a:solidFill>
               </a:rPr>
-              <a:t>phone 	    integer</a:t>
+              <a:t> </a:t>
+            </a:r>
+            <a:r>
+              <a:rPr lang="en-US" sz="2000" dirty="0" err="1" smtClean="0">
+                <a:solidFill>
+                  <a:srgbClr val="000099"/>
+                </a:solidFill>
+              </a:rPr>
+              <a:t>sdt</a:t>
+            </a:r>
+            <a:r>
+              <a:rPr lang="en-US" sz="2000" dirty="0" smtClean="0">
+                <a:solidFill>
+                  <a:srgbClr val="000099"/>
+                </a:solidFill>
+              </a:rPr>
+              <a:t>	    integer</a:t>
             </a:r>
             <a:endParaRPr lang="en-US" sz="2000" dirty="0">
               <a:solidFill>
@@ -21974,7 +22481,15 @@
                   <a:srgbClr val="FF0000"/>
                 </a:solidFill>
               </a:rPr>
-              <a:t>Menu	   text</a:t>
+              <a:t>Menu</a:t>
+            </a:r>
+            <a:r>
+              <a:rPr lang="en-US" sz="2000" b="1" dirty="0" smtClean="0">
+                <a:solidFill>
+                  <a:srgbClr val="FF0000"/>
+                </a:solidFill>
+              </a:rPr>
+              <a:t>	   text</a:t>
             </a:r>
           </a:p>
           <a:p>
@@ -21984,7 +22499,7 @@
                   <a:srgbClr val="000099"/>
                 </a:solidFill>
               </a:rPr>
-              <a:t>tno</a:t>
+              <a:t>maRap</a:t>
             </a:r>
             <a:r>
               <a:rPr lang="en-US" sz="2000" dirty="0" smtClean="0">
@@ -21992,37 +22507,76 @@
                   <a:srgbClr val="000099"/>
                 </a:solidFill>
               </a:rPr>
-              <a:t> 	   integer</a:t>
-            </a:r>
+              <a:t> integer</a:t>
+            </a:r>
+            <a:endParaRPr lang="en-US" sz="2000" dirty="0" smtClean="0">
+              <a:solidFill>
+                <a:srgbClr val="000099"/>
+              </a:solidFill>
+            </a:endParaRPr>
           </a:p>
           <a:p>
             <a:r>
+              <a:rPr lang="en-US" sz="2000" dirty="0" err="1" smtClean="0">
+                <a:solidFill>
+                  <a:srgbClr val="000099"/>
+                </a:solidFill>
+              </a:rPr>
+              <a:t>tenRap</a:t>
+            </a:r>
+            <a:r>
               <a:rPr lang="en-US" sz="2000" dirty="0" smtClean="0">
                 <a:solidFill>
                   <a:srgbClr val="000099"/>
                 </a:solidFill>
               </a:rPr>
-              <a:t>Name	   text</a:t>
-            </a:r>
+              <a:t> text</a:t>
+            </a:r>
+            <a:endParaRPr lang="en-US" sz="2000" dirty="0" smtClean="0">
+              <a:solidFill>
+                <a:srgbClr val="000099"/>
+              </a:solidFill>
+            </a:endParaRPr>
           </a:p>
           <a:p>
             <a:r>
+              <a:rPr lang="en-US" sz="2000" dirty="0" err="1" smtClean="0">
+                <a:solidFill>
+                  <a:srgbClr val="000099"/>
+                </a:solidFill>
+              </a:rPr>
+              <a:t>diaChi</a:t>
+            </a:r>
+            <a:r>
               <a:rPr lang="en-US" sz="2000" dirty="0" smtClean="0">
                 <a:solidFill>
                   <a:srgbClr val="000099"/>
                 </a:solidFill>
               </a:rPr>
-              <a:t>address   text</a:t>
-            </a:r>
+              <a:t> text</a:t>
+            </a:r>
+            <a:endParaRPr lang="en-US" sz="2000" dirty="0" smtClean="0">
+              <a:solidFill>
+                <a:srgbClr val="000099"/>
+              </a:solidFill>
+            </a:endParaRPr>
           </a:p>
           <a:p>
             <a:r>
+              <a:rPr lang="en-US" sz="2000" dirty="0" err="1" smtClean="0">
+                <a:solidFill>
+                  <a:srgbClr val="000099"/>
+                </a:solidFill>
+              </a:rPr>
+              <a:t>Sdt</a:t>
+            </a:r>
+            <a:r>
               <a:rPr lang="en-US" sz="2000" dirty="0" smtClean="0">
                 <a:solidFill>
                   <a:srgbClr val="000099"/>
                 </a:solidFill>
               </a:rPr>
-              <a:t>phone 	    integer</a:t>
+              <a:t> integer</a:t>
             </a:r>
             <a:endParaRPr lang="en-US" sz="2000" dirty="0">
               <a:solidFill>
@@ -23088,14 +23642,275 @@
                             </p:stCondLst>
                             <p:childTnLst>
                               <p:par>
-                                <p:cTn id="54" presetID="4" presetClass="exit" presetSubtype="16" fill="hold" nodeType="clickEffect">
+                                <p:cTn id="54" presetID="29" presetClass="entr" presetSubtype="0" fill="hold" grpId="0" nodeType="clickEffect">
+                                  <p:stCondLst>
+                                    <p:cond delay="0"/>
+                                  </p:stCondLst>
+                                  <p:childTnLst>
+                                    <p:set>
+                                      <p:cBhvr>
+                                        <p:cTn id="55" dur="1" fill="hold">
+                                          <p:stCondLst>
+                                            <p:cond delay="0"/>
+                                          </p:stCondLst>
+                                        </p:cTn>
+                                        <p:tgtEl>
+                                          <p:spTgt spid="10"/>
+                                        </p:tgtEl>
+                                        <p:attrNameLst>
+                                          <p:attrName>style.visibility</p:attrName>
+                                        </p:attrNameLst>
+                                      </p:cBhvr>
+                                      <p:to>
+                                        <p:strVal val="visible"/>
+                                      </p:to>
+                                    </p:set>
+                                    <p:anim calcmode="lin" valueType="num">
+                                      <p:cBhvr>
+                                        <p:cTn id="56" dur="1000" fill="hold"/>
+                                        <p:tgtEl>
+                                          <p:spTgt spid="10"/>
+                                        </p:tgtEl>
+                                        <p:attrNameLst>
+                                          <p:attrName>ppt_x</p:attrName>
+                                        </p:attrNameLst>
+                                      </p:cBhvr>
+                                      <p:tavLst>
+                                        <p:tav tm="0">
+                                          <p:val>
+                                            <p:strVal val="#ppt_x-.2"/>
+                                          </p:val>
+                                        </p:tav>
+                                        <p:tav tm="100000">
+                                          <p:val>
+                                            <p:strVal val="#ppt_x"/>
+                                          </p:val>
+                                        </p:tav>
+                                      </p:tavLst>
+                                    </p:anim>
+                                    <p:anim calcmode="lin" valueType="num">
+                                      <p:cBhvr>
+                                        <p:cTn id="57" dur="1000" fill="hold"/>
+                                        <p:tgtEl>
+                                          <p:spTgt spid="10"/>
+                                        </p:tgtEl>
+                                        <p:attrNameLst>
+                                          <p:attrName>ppt_y</p:attrName>
+                                        </p:attrNameLst>
+                                      </p:cBhvr>
+                                      <p:tavLst>
+                                        <p:tav tm="0">
+                                          <p:val>
+                                            <p:strVal val="#ppt_y"/>
+                                          </p:val>
+                                        </p:tav>
+                                        <p:tav tm="100000">
+                                          <p:val>
+                                            <p:strVal val="#ppt_y"/>
+                                          </p:val>
+                                        </p:tav>
+                                      </p:tavLst>
+                                    </p:anim>
+                                    <p:animEffect transition="in" filter="wipe(right)" prLst="gradientSize: 0.1">
+                                      <p:cBhvr>
+                                        <p:cTn id="58" dur="1000"/>
+                                        <p:tgtEl>
+                                          <p:spTgt spid="10"/>
+                                        </p:tgtEl>
+                                      </p:cBhvr>
+                                    </p:animEffect>
+                                  </p:childTnLst>
+                                </p:cTn>
+                              </p:par>
+                              <p:par>
+                                <p:cTn id="59" presetID="29" presetClass="entr" presetSubtype="0" fill="hold" grpId="0" nodeType="withEffect">
+                                  <p:stCondLst>
+                                    <p:cond delay="0"/>
+                                  </p:stCondLst>
+                                  <p:childTnLst>
+                                    <p:set>
+                                      <p:cBhvr>
+                                        <p:cTn id="60" dur="1" fill="hold">
+                                          <p:stCondLst>
+                                            <p:cond delay="0"/>
+                                          </p:stCondLst>
+                                        </p:cTn>
+                                        <p:tgtEl>
+                                          <p:spTgt spid="11"/>
+                                        </p:tgtEl>
+                                        <p:attrNameLst>
+                                          <p:attrName>style.visibility</p:attrName>
+                                        </p:attrNameLst>
+                                      </p:cBhvr>
+                                      <p:to>
+                                        <p:strVal val="visible"/>
+                                      </p:to>
+                                    </p:set>
+                                    <p:anim calcmode="lin" valueType="num">
+                                      <p:cBhvr>
+                                        <p:cTn id="61" dur="1000" fill="hold"/>
+                                        <p:tgtEl>
+                                          <p:spTgt spid="11"/>
+                                        </p:tgtEl>
+                                        <p:attrNameLst>
+                                          <p:attrName>ppt_x</p:attrName>
+                                        </p:attrNameLst>
+                                      </p:cBhvr>
+                                      <p:tavLst>
+                                        <p:tav tm="0">
+                                          <p:val>
+                                            <p:strVal val="#ppt_x-.2"/>
+                                          </p:val>
+                                        </p:tav>
+                                        <p:tav tm="100000">
+                                          <p:val>
+                                            <p:strVal val="#ppt_x"/>
+                                          </p:val>
+                                        </p:tav>
+                                      </p:tavLst>
+                                    </p:anim>
+                                    <p:anim calcmode="lin" valueType="num">
+                                      <p:cBhvr>
+                                        <p:cTn id="62" dur="1000" fill="hold"/>
+                                        <p:tgtEl>
+                                          <p:spTgt spid="11"/>
+                                        </p:tgtEl>
+                                        <p:attrNameLst>
+                                          <p:attrName>ppt_y</p:attrName>
+                                        </p:attrNameLst>
+                                      </p:cBhvr>
+                                      <p:tavLst>
+                                        <p:tav tm="0">
+                                          <p:val>
+                                            <p:strVal val="#ppt_y"/>
+                                          </p:val>
+                                        </p:tav>
+                                        <p:tav tm="100000">
+                                          <p:val>
+                                            <p:strVal val="#ppt_y"/>
+                                          </p:val>
+                                        </p:tav>
+                                      </p:tavLst>
+                                    </p:anim>
+                                    <p:animEffect transition="in" filter="wipe(right)" prLst="gradientSize: 0.1">
+                                      <p:cBhvr>
+                                        <p:cTn id="63" dur="1000"/>
+                                        <p:tgtEl>
+                                          <p:spTgt spid="11"/>
+                                        </p:tgtEl>
+                                      </p:cBhvr>
+                                    </p:animEffect>
+                                  </p:childTnLst>
+                                </p:cTn>
+                              </p:par>
+                              <p:par>
+                                <p:cTn id="64" presetID="29" presetClass="entr" presetSubtype="0" fill="hold" grpId="0" nodeType="withEffect">
+                                  <p:stCondLst>
+                                    <p:cond delay="0"/>
+                                  </p:stCondLst>
+                                  <p:childTnLst>
+                                    <p:set>
+                                      <p:cBhvr>
+                                        <p:cTn id="65" dur="1" fill="hold">
+                                          <p:stCondLst>
+                                            <p:cond delay="0"/>
+                                          </p:stCondLst>
+                                        </p:cTn>
+                                        <p:tgtEl>
+                                          <p:spTgt spid="12"/>
+                                        </p:tgtEl>
+                                        <p:attrNameLst>
+                                          <p:attrName>style.visibility</p:attrName>
+                                        </p:attrNameLst>
+                                      </p:cBhvr>
+                                      <p:to>
+                                        <p:strVal val="visible"/>
+                                      </p:to>
+                                    </p:set>
+                                    <p:anim calcmode="lin" valueType="num">
+                                      <p:cBhvr>
+                                        <p:cTn id="66" dur="1000" fill="hold"/>
+                                        <p:tgtEl>
+                                          <p:spTgt spid="12"/>
+                                        </p:tgtEl>
+                                        <p:attrNameLst>
+                                          <p:attrName>ppt_x</p:attrName>
+                                        </p:attrNameLst>
+                                      </p:cBhvr>
+                                      <p:tavLst>
+                                        <p:tav tm="0">
+                                          <p:val>
+                                            <p:strVal val="#ppt_x-.2"/>
+                                          </p:val>
+                                        </p:tav>
+                                        <p:tav tm="100000">
+                                          <p:val>
+                                            <p:strVal val="#ppt_x"/>
+                                          </p:val>
+                                        </p:tav>
+                                      </p:tavLst>
+                                    </p:anim>
+                                    <p:anim calcmode="lin" valueType="num">
+                                      <p:cBhvr>
+                                        <p:cTn id="67" dur="1000" fill="hold"/>
+                                        <p:tgtEl>
+                                          <p:spTgt spid="12"/>
+                                        </p:tgtEl>
+                                        <p:attrNameLst>
+                                          <p:attrName>ppt_y</p:attrName>
+                                        </p:attrNameLst>
+                                      </p:cBhvr>
+                                      <p:tavLst>
+                                        <p:tav tm="0">
+                                          <p:val>
+                                            <p:strVal val="#ppt_y"/>
+                                          </p:val>
+                                        </p:tav>
+                                        <p:tav tm="100000">
+                                          <p:val>
+                                            <p:strVal val="#ppt_y"/>
+                                          </p:val>
+                                        </p:tav>
+                                      </p:tavLst>
+                                    </p:anim>
+                                    <p:animEffect transition="in" filter="wipe(right)" prLst="gradientSize: 0.1">
+                                      <p:cBhvr>
+                                        <p:cTn id="68" dur="1000"/>
+                                        <p:tgtEl>
+                                          <p:spTgt spid="12"/>
+                                        </p:tgtEl>
+                                      </p:cBhvr>
+                                    </p:animEffect>
+                                  </p:childTnLst>
+                                </p:cTn>
+                              </p:par>
+                            </p:childTnLst>
+                          </p:cTn>
+                        </p:par>
+                      </p:childTnLst>
+                    </p:cTn>
+                  </p:par>
+                  <p:par>
+                    <p:cTn id="69" fill="hold">
+                      <p:stCondLst>
+                        <p:cond delay="indefinite"/>
+                      </p:stCondLst>
+                      <p:childTnLst>
+                        <p:par>
+                          <p:cTn id="70" fill="hold">
+                            <p:stCondLst>
+                              <p:cond delay="0"/>
+                            </p:stCondLst>
+                            <p:childTnLst>
+                              <p:par>
+                                <p:cTn id="71" presetID="4" presetClass="exit" presetSubtype="16" fill="hold" nodeType="clickEffect">
                                   <p:stCondLst>
                                     <p:cond delay="0"/>
                                   </p:stCondLst>
                                   <p:childTnLst>
                                     <p:animEffect transition="out" filter="box(in)">
                                       <p:cBhvr>
-                                        <p:cTn id="55" dur="500"/>
+                                        <p:cTn id="72" dur="500"/>
                                         <p:tgtEl>
                                           <p:spTgt spid="8">
                                             <p:txEl>
@@ -23107,7 +23922,7 @@
                                     </p:animEffect>
                                     <p:set>
                                       <p:cBhvr>
-                                        <p:cTn id="56" dur="1" fill="hold">
+                                        <p:cTn id="73" dur="1" fill="hold">
                                           <p:stCondLst>
                                             <p:cond delay="499"/>
                                           </p:stCondLst>
@@ -23131,14 +23946,14 @@
                                 </p:cTn>
                               </p:par>
                               <p:par>
-                                <p:cTn id="57" presetID="4" presetClass="exit" presetSubtype="16" fill="hold" nodeType="withEffect">
+                                <p:cTn id="74" presetID="4" presetClass="exit" presetSubtype="16" fill="hold" nodeType="withEffect">
                                   <p:stCondLst>
                                     <p:cond delay="0"/>
                                   </p:stCondLst>
                                   <p:childTnLst>
                                     <p:animEffect transition="out" filter="box(in)">
                                       <p:cBhvr>
-                                        <p:cTn id="58" dur="500"/>
+                                        <p:cTn id="75" dur="500"/>
                                         <p:tgtEl>
                                           <p:spTgt spid="8">
                                             <p:txEl>
@@ -23150,7 +23965,7 @@
                                     </p:animEffect>
                                     <p:set>
                                       <p:cBhvr>
-                                        <p:cTn id="59" dur="1" fill="hold">
+                                        <p:cTn id="76" dur="1" fill="hold">
                                           <p:stCondLst>
                                             <p:cond delay="499"/>
                                           </p:stCondLst>
@@ -23174,14 +23989,14 @@
                                 </p:cTn>
                               </p:par>
                               <p:par>
-                                <p:cTn id="60" presetID="4" presetClass="exit" presetSubtype="16" fill="hold" nodeType="withEffect">
+                                <p:cTn id="77" presetID="4" presetClass="exit" presetSubtype="16" fill="hold" nodeType="withEffect">
                                   <p:stCondLst>
                                     <p:cond delay="0"/>
                                   </p:stCondLst>
                                   <p:childTnLst>
                                     <p:animEffect transition="out" filter="box(in)">
                                       <p:cBhvr>
-                                        <p:cTn id="61" dur="500"/>
+                                        <p:cTn id="78" dur="500"/>
                                         <p:tgtEl>
                                           <p:spTgt spid="8">
                                             <p:txEl>
@@ -23193,7 +24008,7 @@
                                     </p:animEffect>
                                     <p:set>
                                       <p:cBhvr>
-                                        <p:cTn id="62" dur="1" fill="hold">
+                                        <p:cTn id="79" dur="1" fill="hold">
                                           <p:stCondLst>
                                             <p:cond delay="499"/>
                                           </p:stCondLst>
@@ -23217,14 +24032,14 @@
                                 </p:cTn>
                               </p:par>
                               <p:par>
-                                <p:cTn id="63" presetID="4" presetClass="exit" presetSubtype="16" fill="hold" nodeType="withEffect">
+                                <p:cTn id="80" presetID="4" presetClass="exit" presetSubtype="16" fill="hold" nodeType="withEffect">
                                   <p:stCondLst>
                                     <p:cond delay="0"/>
                                   </p:stCondLst>
                                   <p:childTnLst>
                                     <p:animEffect transition="out" filter="box(in)">
                                       <p:cBhvr>
-                                        <p:cTn id="64" dur="500"/>
+                                        <p:cTn id="81" dur="500"/>
                                         <p:tgtEl>
                                           <p:spTgt spid="8">
                                             <p:txEl>
@@ -23236,7 +24051,7 @@
                                     </p:animEffect>
                                     <p:set>
                                       <p:cBhvr>
-                                        <p:cTn id="65" dur="1" fill="hold">
+                                        <p:cTn id="82" dur="1" fill="hold">
                                           <p:stCondLst>
                                             <p:cond delay="499"/>
                                           </p:stCondLst>
@@ -23256,267 +24071,6 @@
                                         <p:strVal val="hidden"/>
                                       </p:to>
                                     </p:set>
-                                  </p:childTnLst>
-                                </p:cTn>
-                              </p:par>
-                            </p:childTnLst>
-                          </p:cTn>
-                        </p:par>
-                      </p:childTnLst>
-                    </p:cTn>
-                  </p:par>
-                  <p:par>
-                    <p:cTn id="66" fill="hold">
-                      <p:stCondLst>
-                        <p:cond delay="indefinite"/>
-                      </p:stCondLst>
-                      <p:childTnLst>
-                        <p:par>
-                          <p:cTn id="67" fill="hold">
-                            <p:stCondLst>
-                              <p:cond delay="0"/>
-                            </p:stCondLst>
-                            <p:childTnLst>
-                              <p:par>
-                                <p:cTn id="68" presetID="29" presetClass="entr" presetSubtype="0" fill="hold" grpId="0" nodeType="clickEffect">
-                                  <p:stCondLst>
-                                    <p:cond delay="0"/>
-                                  </p:stCondLst>
-                                  <p:childTnLst>
-                                    <p:set>
-                                      <p:cBhvr>
-                                        <p:cTn id="69" dur="1" fill="hold">
-                                          <p:stCondLst>
-                                            <p:cond delay="0"/>
-                                          </p:stCondLst>
-                                        </p:cTn>
-                                        <p:tgtEl>
-                                          <p:spTgt spid="10"/>
-                                        </p:tgtEl>
-                                        <p:attrNameLst>
-                                          <p:attrName>style.visibility</p:attrName>
-                                        </p:attrNameLst>
-                                      </p:cBhvr>
-                                      <p:to>
-                                        <p:strVal val="visible"/>
-                                      </p:to>
-                                    </p:set>
-                                    <p:anim calcmode="lin" valueType="num">
-                                      <p:cBhvr>
-                                        <p:cTn id="70" dur="1000" fill="hold"/>
-                                        <p:tgtEl>
-                                          <p:spTgt spid="10"/>
-                                        </p:tgtEl>
-                                        <p:attrNameLst>
-                                          <p:attrName>ppt_x</p:attrName>
-                                        </p:attrNameLst>
-                                      </p:cBhvr>
-                                      <p:tavLst>
-                                        <p:tav tm="0">
-                                          <p:val>
-                                            <p:strVal val="#ppt_x-.2"/>
-                                          </p:val>
-                                        </p:tav>
-                                        <p:tav tm="100000">
-                                          <p:val>
-                                            <p:strVal val="#ppt_x"/>
-                                          </p:val>
-                                        </p:tav>
-                                      </p:tavLst>
-                                    </p:anim>
-                                    <p:anim calcmode="lin" valueType="num">
-                                      <p:cBhvr>
-                                        <p:cTn id="71" dur="1000" fill="hold"/>
-                                        <p:tgtEl>
-                                          <p:spTgt spid="10"/>
-                                        </p:tgtEl>
-                                        <p:attrNameLst>
-                                          <p:attrName>ppt_y</p:attrName>
-                                        </p:attrNameLst>
-                                      </p:cBhvr>
-                                      <p:tavLst>
-                                        <p:tav tm="0">
-                                          <p:val>
-                                            <p:strVal val="#ppt_y"/>
-                                          </p:val>
-                                        </p:tav>
-                                        <p:tav tm="100000">
-                                          <p:val>
-                                            <p:strVal val="#ppt_y"/>
-                                          </p:val>
-                                        </p:tav>
-                                      </p:tavLst>
-                                    </p:anim>
-                                    <p:animEffect transition="in" filter="wipe(right)" prLst="gradientSize: 0.1">
-                                      <p:cBhvr>
-                                        <p:cTn id="72" dur="1000"/>
-                                        <p:tgtEl>
-                                          <p:spTgt spid="10"/>
-                                        </p:tgtEl>
-                                      </p:cBhvr>
-                                    </p:animEffect>
-                                  </p:childTnLst>
-                                </p:cTn>
-                              </p:par>
-                              <p:par>
-                                <p:cTn id="73" presetID="29" presetClass="entr" presetSubtype="0" fill="hold" grpId="0" nodeType="withEffect">
-                                  <p:stCondLst>
-                                    <p:cond delay="0"/>
-                                  </p:stCondLst>
-                                  <p:childTnLst>
-                                    <p:set>
-                                      <p:cBhvr>
-                                        <p:cTn id="74" dur="1" fill="hold">
-                                          <p:stCondLst>
-                                            <p:cond delay="0"/>
-                                          </p:stCondLst>
-                                        </p:cTn>
-                                        <p:tgtEl>
-                                          <p:spTgt spid="11"/>
-                                        </p:tgtEl>
-                                        <p:attrNameLst>
-                                          <p:attrName>style.visibility</p:attrName>
-                                        </p:attrNameLst>
-                                      </p:cBhvr>
-                                      <p:to>
-                                        <p:strVal val="visible"/>
-                                      </p:to>
-                                    </p:set>
-                                    <p:anim calcmode="lin" valueType="num">
-                                      <p:cBhvr>
-                                        <p:cTn id="75" dur="1000" fill="hold"/>
-                                        <p:tgtEl>
-                                          <p:spTgt spid="11"/>
-                                        </p:tgtEl>
-                                        <p:attrNameLst>
-                                          <p:attrName>ppt_x</p:attrName>
-                                        </p:attrNameLst>
-                                      </p:cBhvr>
-                                      <p:tavLst>
-                                        <p:tav tm="0">
-                                          <p:val>
-                                            <p:strVal val="#ppt_x-.2"/>
-                                          </p:val>
-                                        </p:tav>
-                                        <p:tav tm="100000">
-                                          <p:val>
-                                            <p:strVal val="#ppt_x"/>
-                                          </p:val>
-                                        </p:tav>
-                                      </p:tavLst>
-                                    </p:anim>
-                                    <p:anim calcmode="lin" valueType="num">
-                                      <p:cBhvr>
-                                        <p:cTn id="76" dur="1000" fill="hold"/>
-                                        <p:tgtEl>
-                                          <p:spTgt spid="11"/>
-                                        </p:tgtEl>
-                                        <p:attrNameLst>
-                                          <p:attrName>ppt_y</p:attrName>
-                                        </p:attrNameLst>
-                                      </p:cBhvr>
-                                      <p:tavLst>
-                                        <p:tav tm="0">
-                                          <p:val>
-                                            <p:strVal val="#ppt_y"/>
-                                          </p:val>
-                                        </p:tav>
-                                        <p:tav tm="100000">
-                                          <p:val>
-                                            <p:strVal val="#ppt_y"/>
-                                          </p:val>
-                                        </p:tav>
-                                      </p:tavLst>
-                                    </p:anim>
-                                    <p:animEffect transition="in" filter="wipe(right)" prLst="gradientSize: 0.1">
-                                      <p:cBhvr>
-                                        <p:cTn id="77" dur="1000"/>
-                                        <p:tgtEl>
-                                          <p:spTgt spid="11"/>
-                                        </p:tgtEl>
-                                      </p:cBhvr>
-                                    </p:animEffect>
-                                  </p:childTnLst>
-                                </p:cTn>
-                              </p:par>
-                              <p:par>
-                                <p:cTn id="78" presetID="29" presetClass="entr" presetSubtype="0" fill="hold" grpId="0" nodeType="withEffect">
-                                  <p:stCondLst>
-                                    <p:cond delay="0"/>
-                                  </p:stCondLst>
-                                  <p:childTnLst>
-                                    <p:set>
-                                      <p:cBhvr>
-                                        <p:cTn id="79" dur="1" fill="hold">
-                                          <p:stCondLst>
-                                            <p:cond delay="0"/>
-                                          </p:stCondLst>
-                                        </p:cTn>
-                                        <p:tgtEl>
-                                          <p:spTgt spid="12"/>
-                                        </p:tgtEl>
-                                        <p:attrNameLst>
-                                          <p:attrName>style.visibility</p:attrName>
-                                        </p:attrNameLst>
-                                      </p:cBhvr>
-                                      <p:to>
-                                        <p:strVal val="visible"/>
-                                      </p:to>
-                                    </p:set>
-                                    <p:anim calcmode="lin" valueType="num">
-                                      <p:cBhvr>
-                                        <p:cTn id="80" dur="1000" fill="hold"/>
-                                        <p:tgtEl>
-                                          <p:spTgt spid="12"/>
-                                        </p:tgtEl>
-                                        <p:attrNameLst>
-                                          <p:attrName>ppt_x</p:attrName>
-                                        </p:attrNameLst>
-                                      </p:cBhvr>
-                                      <p:tavLst>
-                                        <p:tav tm="0">
-                                          <p:val>
-                                            <p:strVal val="#ppt_x-.2"/>
-                                          </p:val>
-                                        </p:tav>
-                                        <p:tav tm="100000">
-                                          <p:val>
-                                            <p:strVal val="#ppt_x"/>
-                                          </p:val>
-                                        </p:tav>
-                                      </p:tavLst>
-                                    </p:anim>
-                                    <p:anim calcmode="lin" valueType="num">
-                                      <p:cBhvr>
-                                        <p:cTn id="81" dur="1000" fill="hold"/>
-                                        <p:tgtEl>
-                                          <p:spTgt spid="12"/>
-                                        </p:tgtEl>
-                                        <p:attrNameLst>
-                                          <p:attrName>ppt_y</p:attrName>
-                                        </p:attrNameLst>
-                                      </p:cBhvr>
-                                      <p:tavLst>
-                                        <p:tav tm="0">
-                                          <p:val>
-                                            <p:strVal val="#ppt_y"/>
-                                          </p:val>
-                                        </p:tav>
-                                        <p:tav tm="100000">
-                                          <p:val>
-                                            <p:strVal val="#ppt_y"/>
-                                          </p:val>
-                                        </p:tav>
-                                      </p:tavLst>
-                                    </p:anim>
-                                    <p:animEffect transition="in" filter="wipe(right)" prLst="gradientSize: 0.1">
-                                      <p:cBhvr>
-                                        <p:cTn id="82" dur="1000"/>
-                                        <p:tgtEl>
-                                          <p:spTgt spid="12"/>
-                                        </p:tgtEl>
-                                      </p:cBhvr>
-                                    </p:animEffect>
                                   </p:childTnLst>
                                 </p:cTn>
                               </p:par>
@@ -25124,11 +25678,6 @@
               </a:rPr>
               <a:t>.</a:t>
             </a:r>
-            <a:endParaRPr lang="en-US" sz="2800" dirty="0" smtClean="0">
-              <a:solidFill>
-                <a:srgbClr val="000099"/>
-              </a:solidFill>
-            </a:endParaRPr>
           </a:p>
           <a:p>
             <a:pPr>
@@ -25255,7 +25804,7 @@
                   <a:srgbClr val="000099"/>
                 </a:solidFill>
               </a:rPr>
-              <a:t>chay</a:t>
+              <a:t>chạy</a:t>
             </a:r>
             <a:r>
               <a:rPr lang="en-US" sz="2800" dirty="0" smtClean="0">
@@ -25271,7 +25820,7 @@
                   <a:srgbClr val="000099"/>
                 </a:solidFill>
               </a:rPr>
-              <a:t>chuong</a:t>
+              <a:t>chương</a:t>
             </a:r>
             <a:r>
               <a:rPr lang="en-US" sz="2800" dirty="0" smtClean="0">
@@ -25287,7 +25836,7 @@
                   <a:srgbClr val="000099"/>
                 </a:solidFill>
               </a:rPr>
-              <a:t>trinh</a:t>
+              <a:t>trình</a:t>
             </a:r>
             <a:endParaRPr lang="en-US" sz="2800" dirty="0" smtClean="0">
               <a:solidFill>
@@ -26080,7 +26629,15 @@
                   <a:srgbClr val="000099"/>
                 </a:solidFill>
               </a:rPr>
-              <a:t>OF TYPE  </a:t>
+              <a:t>OF </a:t>
+            </a:r>
+            <a:r>
+              <a:rPr lang="en-US" sz="2000" dirty="0" smtClean="0">
+                <a:solidFill>
+                  <a:srgbClr val="000099"/>
+                </a:solidFill>
+              </a:rPr>
+              <a:t> </a:t>
             </a:r>
             <a:r>
               <a:rPr lang="en-US" sz="2000" b="1" dirty="0" err="1" smtClean="0">
@@ -26306,15 +26863,7 @@
                   <a:srgbClr val="0070C0"/>
                 </a:solidFill>
               </a:rPr>
-              <a:t> 			 </a:t>
-            </a:r>
-            <a:r>
-              <a:rPr lang="en-US" sz="2300" dirty="0" smtClean="0">
-                <a:solidFill>
-                  <a:srgbClr val="0070C0"/>
-                </a:solidFill>
-              </a:rPr>
-              <a:t>	</a:t>
+              <a:t> 			 	</a:t>
             </a:r>
             <a:r>
               <a:rPr lang="en-US" sz="2300" dirty="0" err="1" smtClean="0">
@@ -26960,9 +27509,27 @@
               </a:rPr>
               <a:t>	</a:t>
             </a:r>
+          </a:p>
+          <a:p>
+            <a:pPr>
+              <a:buNone/>
+            </a:pPr>
+            <a:r>
+              <a:rPr lang="en-US" dirty="0" smtClean="0">
+                <a:solidFill>
+                  <a:srgbClr val="FF0000"/>
+                </a:solidFill>
+              </a:rPr>
+              <a:t>	</a:t>
+            </a:r>
+          </a:p>
+          <a:p>
+            <a:pPr>
+              <a:buNone/>
+            </a:pPr>
             <a:endParaRPr lang="en-US" dirty="0" smtClean="0">
               <a:solidFill>
-                <a:srgbClr val="000099"/>
+                <a:srgbClr val="FF0000"/>
               </a:solidFill>
             </a:endParaRPr>
           </a:p>
@@ -26976,35 +27543,31 @@
                   <a:srgbClr val="FF0000"/>
                 </a:solidFill>
               </a:rPr>
-              <a:t>	</a:t>
-            </a:r>
-            <a:endParaRPr lang="en-US" dirty="0" smtClean="0">
-              <a:solidFill>
-                <a:srgbClr val="FF0000"/>
-              </a:solidFill>
-            </a:endParaRPr>
-          </a:p>
-          <a:p>
-            <a:pPr>
-              <a:buNone/>
-            </a:pPr>
-            <a:endParaRPr lang="en-US" dirty="0" smtClean="0">
-              <a:solidFill>
-                <a:srgbClr val="FF0000"/>
-              </a:solidFill>
-            </a:endParaRPr>
-          </a:p>
-          <a:p>
-            <a:pPr>
-              <a:buNone/>
-            </a:pPr>
+              <a:t>CREATE TABLE </a:t>
+            </a:r>
+            <a:r>
+              <a:rPr lang="en-US" dirty="0" err="1" smtClean="0">
+                <a:solidFill>
+                  <a:srgbClr val="000099"/>
+                </a:solidFill>
+              </a:rPr>
+              <a:t>ds_rapPhimDichVu</a:t>
+            </a:r>
             <a:r>
               <a:rPr lang="en-US" dirty="0" smtClean="0">
                 <a:solidFill>
                   <a:srgbClr val="FF0000"/>
                 </a:solidFill>
               </a:rPr>
-              <a:t>CREATE </a:t>
+              <a:t> OF TYPE </a:t>
+            </a:r>
+            <a:r>
+              <a:rPr lang="en-US" dirty="0" err="1" smtClean="0">
+                <a:solidFill>
+                  <a:srgbClr val="000099"/>
+                </a:solidFill>
+              </a:rPr>
+              <a:t>Kieu_RapPhimDichVu</a:t>
             </a:r>
             <a:r>
               <a:rPr lang="en-US" dirty="0" smtClean="0">
@@ -27012,79 +27575,7 @@
                   <a:srgbClr val="FF0000"/>
                 </a:solidFill>
               </a:rPr>
-              <a:t>TABLE </a:t>
-            </a:r>
-            <a:r>
-              <a:rPr lang="en-US" dirty="0" err="1" smtClean="0">
-                <a:solidFill>
-                  <a:srgbClr val="000099"/>
-                </a:solidFill>
-              </a:rPr>
-              <a:t>ds_</a:t>
-            </a:r>
-            <a:r>
-              <a:rPr lang="en-US" dirty="0" err="1" smtClean="0">
-                <a:solidFill>
-                  <a:srgbClr val="000099"/>
-                </a:solidFill>
-              </a:rPr>
-              <a:t>rapPhimDichVu</a:t>
-            </a:r>
-            <a:r>
-              <a:rPr lang="en-US" dirty="0" smtClean="0">
-                <a:solidFill>
-                  <a:srgbClr val="FF0000"/>
-                </a:solidFill>
-              </a:rPr>
-              <a:t> </a:t>
-            </a:r>
-            <a:r>
-              <a:rPr lang="en-US" dirty="0" smtClean="0">
-                <a:solidFill>
-                  <a:srgbClr val="FF0000"/>
-                </a:solidFill>
-              </a:rPr>
-              <a:t>OF TYPE </a:t>
-            </a:r>
-            <a:r>
-              <a:rPr lang="en-US" dirty="0" err="1" smtClean="0">
-                <a:solidFill>
-                  <a:srgbClr val="000099"/>
-                </a:solidFill>
-              </a:rPr>
-              <a:t>Kieu_RapPhimDichVu</a:t>
-            </a:r>
-            <a:r>
-              <a:rPr lang="en-US" dirty="0" smtClean="0">
-                <a:solidFill>
-                  <a:srgbClr val="FF0000"/>
-                </a:solidFill>
-              </a:rPr>
-              <a:t> </a:t>
-            </a:r>
-            <a:r>
-              <a:rPr lang="en-US" dirty="0" smtClean="0">
-                <a:solidFill>
-                  <a:srgbClr val="FF0000"/>
-                </a:solidFill>
-              </a:rPr>
-              <a:t> </a:t>
-            </a:r>
-            <a:r>
-              <a:rPr lang="en-US" dirty="0" smtClean="0">
-                <a:solidFill>
-                  <a:srgbClr val="FF0000"/>
-                </a:solidFill>
-              </a:rPr>
-              <a:t>UNDER </a:t>
-            </a:r>
-            <a:r>
-              <a:rPr lang="en-US" dirty="0" smtClean="0">
-                <a:solidFill>
-                  <a:srgbClr val="FF0000"/>
-                </a:solidFill>
-              </a:rPr>
-              <a:t> </a:t>
+              <a:t>  UNDER  </a:t>
             </a:r>
             <a:r>
               <a:rPr lang="en-US" dirty="0" err="1" smtClean="0">
@@ -28010,7 +28501,11 @@
           <a:p>
             <a:r>
               <a:rPr lang="en-US" dirty="0" err="1" smtClean="0"/>
-              <a:t>Miền</a:t>
+              <a:t>Phạm</a:t>
+            </a:r>
+            <a:r>
+              <a:rPr lang="en-US" dirty="0" smtClean="0"/>
+              <a:t> vi</a:t>
             </a:r>
             <a:r>
               <a:rPr lang="en-US" dirty="0" smtClean="0"/>
@@ -28218,7 +28713,7 @@
               <a:rPr lang="en-US" dirty="0" err="1" smtClean="0">
                 <a:sym typeface="Wingdings" pitchFamily="2" charset="2"/>
               </a:rPr>
-              <a:t>thi</a:t>
+              <a:t>hiện</a:t>
             </a:r>
             <a:r>
               <a:rPr lang="en-US" dirty="0" smtClean="0">
@@ -28492,7 +28987,7 @@
             <a:blip r:embed="rId3" cstate="print">
               <a:extLst>
                 <a:ext uri="{28A0092B-C50C-407E-A947-70E740481C1C}">
-                  <a14:useLocalDpi xmlns:a14="http://schemas.microsoft.com/office/drawing/2010/main" xmlns="" val="0"/>
+                  <a14:useLocalDpi xmlns="" xmlns:a14="http://schemas.microsoft.com/office/drawing/2010/main" val="0"/>
                 </a:ext>
               </a:extLst>
             </a:blip>
@@ -28577,7 +29072,7 @@
             <a:blip r:embed="rId4" cstate="print">
               <a:extLst>
                 <a:ext uri="{28A0092B-C50C-407E-A947-70E740481C1C}">
-                  <a14:useLocalDpi xmlns:a14="http://schemas.microsoft.com/office/drawing/2010/main" xmlns="" val="0"/>
+                  <a14:useLocalDpi xmlns="" xmlns:a14="http://schemas.microsoft.com/office/drawing/2010/main" val="0"/>
                 </a:ext>
               </a:extLst>
             </a:blip>
@@ -28662,7 +29157,7 @@
             <a:blip r:embed="rId5" cstate="print">
               <a:extLst>
                 <a:ext uri="{28A0092B-C50C-407E-A947-70E740481C1C}">
-                  <a14:useLocalDpi xmlns:a14="http://schemas.microsoft.com/office/drawing/2010/main" xmlns="" val="0"/>
+                  <a14:useLocalDpi xmlns="" xmlns:a14="http://schemas.microsoft.com/office/drawing/2010/main" val="0"/>
                 </a:ext>
               </a:extLst>
             </a:blip>
@@ -28747,7 +29242,7 @@
             <a:blip r:embed="rId6" cstate="print">
               <a:extLst>
                 <a:ext uri="{28A0092B-C50C-407E-A947-70E740481C1C}">
-                  <a14:useLocalDpi xmlns:a14="http://schemas.microsoft.com/office/drawing/2010/main" xmlns="" val="0"/>
+                  <a14:useLocalDpi xmlns="" xmlns:a14="http://schemas.microsoft.com/office/drawing/2010/main" val="0"/>
                 </a:ext>
               </a:extLst>
             </a:blip>
@@ -28832,7 +29327,7 @@
             <a:blip r:embed="rId7" cstate="print">
               <a:extLst>
                 <a:ext uri="{28A0092B-C50C-407E-A947-70E740481C1C}">
-                  <a14:useLocalDpi xmlns:a14="http://schemas.microsoft.com/office/drawing/2010/main" xmlns="" val="0"/>
+                  <a14:useLocalDpi xmlns="" xmlns:a14="http://schemas.microsoft.com/office/drawing/2010/main" val="0"/>
                 </a:ext>
               </a:extLst>
             </a:blip>
@@ -28917,7 +29412,7 @@
             <a:blip r:embed="rId8" cstate="print">
               <a:extLst>
                 <a:ext uri="{28A0092B-C50C-407E-A947-70E740481C1C}">
-                  <a14:useLocalDpi xmlns:a14="http://schemas.microsoft.com/office/drawing/2010/main" xmlns="" val="0"/>
+                  <a14:useLocalDpi xmlns="" xmlns:a14="http://schemas.microsoft.com/office/drawing/2010/main" val="0"/>
                 </a:ext>
               </a:extLst>
             </a:blip>
@@ -29002,7 +29497,7 @@
             <a:blip r:embed="rId9" cstate="print">
               <a:extLst>
                 <a:ext uri="{28A0092B-C50C-407E-A947-70E740481C1C}">
-                  <a14:useLocalDpi xmlns:a14="http://schemas.microsoft.com/office/drawing/2010/main" xmlns="" val="0"/>
+                  <a14:useLocalDpi xmlns="" xmlns:a14="http://schemas.microsoft.com/office/drawing/2010/main" val="0"/>
                 </a:ext>
               </a:extLst>
             </a:blip>
@@ -29087,7 +29582,7 @@
             <a:blip r:embed="rId10" cstate="print">
               <a:extLst>
                 <a:ext uri="{28A0092B-C50C-407E-A947-70E740481C1C}">
-                  <a14:useLocalDpi xmlns:a14="http://schemas.microsoft.com/office/drawing/2010/main" xmlns="" val="0"/>
+                  <a14:useLocalDpi xmlns="" xmlns:a14="http://schemas.microsoft.com/office/drawing/2010/main" val="0"/>
                 </a:ext>
               </a:extLst>
             </a:blip>
@@ -29172,7 +29667,7 @@
             <a:blip r:embed="rId11" cstate="print">
               <a:extLst>
                 <a:ext uri="{28A0092B-C50C-407E-A947-70E740481C1C}">
-                  <a14:useLocalDpi xmlns:a14="http://schemas.microsoft.com/office/drawing/2010/main" xmlns="" val="0"/>
+                  <a14:useLocalDpi xmlns="" xmlns:a14="http://schemas.microsoft.com/office/drawing/2010/main" val="0"/>
                 </a:ext>
               </a:extLst>
             </a:blip>
@@ -29234,7 +29729,7 @@
     </p:spTree>
     <p:extLst>
       <p:ext uri="{BB962C8B-B14F-4D97-AF65-F5344CB8AC3E}">
-        <p14:creationId xmlns:p14="http://schemas.microsoft.com/office/powerpoint/2010/main" xmlns="" val="3258537188"/>
+        <p14:creationId xmlns="" xmlns:p14="http://schemas.microsoft.com/office/powerpoint/2010/main" val="3258537188"/>
       </p:ext>
     </p:extLst>
   </p:cSld>
@@ -29242,7 +29737,7 @@
     <a:masterClrMapping/>
   </p:clrMapOvr>
   <mc:AlternateContent xmlns:mc="http://schemas.openxmlformats.org/markup-compatibility/2006">
-    <mc:Choice xmlns:p14="http://schemas.microsoft.com/office/powerpoint/2010/main" xmlns="" Requires="p14">
+    <mc:Choice xmlns="" xmlns:p14="http://schemas.microsoft.com/office/powerpoint/2010/main" Requires="p14">
       <p:transition spd="slow" p14:dur="1400">
         <p14:doors dir="vert"/>
       </p:transition>
@@ -30149,7 +30644,7 @@
     </p:spTree>
     <p:extLst>
       <p:ext uri="{BB962C8B-B14F-4D97-AF65-F5344CB8AC3E}">
-        <p14:creationId xmlns:p14="http://schemas.microsoft.com/office/powerpoint/2010/main" xmlns="" val="2292973471"/>
+        <p14:creationId xmlns="" xmlns:p14="http://schemas.microsoft.com/office/powerpoint/2010/main" val="2292973471"/>
       </p:ext>
     </p:extLst>
   </p:cSld>
@@ -30157,7 +30652,7 @@
     <a:masterClrMapping/>
   </p:clrMapOvr>
   <mc:AlternateContent xmlns:mc="http://schemas.openxmlformats.org/markup-compatibility/2006">
-    <mc:Choice xmlns:p14="http://schemas.microsoft.com/office/powerpoint/2010/main" xmlns="" Requires="p14">
+    <mc:Choice xmlns="" xmlns:p14="http://schemas.microsoft.com/office/powerpoint/2010/main" Requires="p14">
       <p:transition spd="slow" p14:dur="1600">
         <p14:gallery dir="l"/>
       </p:transition>
@@ -31495,7 +31990,7 @@
     </p:spTree>
     <p:extLst>
       <p:ext uri="{BB962C8B-B14F-4D97-AF65-F5344CB8AC3E}">
-        <p14:creationId xmlns:p14="http://schemas.microsoft.com/office/powerpoint/2010/main" xmlns="" val="2024710323"/>
+        <p14:creationId xmlns="" xmlns:p14="http://schemas.microsoft.com/office/powerpoint/2010/main" val="2024710323"/>
       </p:ext>
     </p:extLst>
   </p:cSld>
@@ -33411,7 +33906,7 @@
     </p:spTree>
     <p:extLst>
       <p:ext uri="{BB962C8B-B14F-4D97-AF65-F5344CB8AC3E}">
-        <p14:creationId xmlns:p14="http://schemas.microsoft.com/office/powerpoint/2010/main" xmlns="" val="3825991023"/>
+        <p14:creationId xmlns="" xmlns:p14="http://schemas.microsoft.com/office/powerpoint/2010/main" val="3825991023"/>
       </p:ext>
     </p:extLst>
   </p:cSld>
@@ -33419,7 +33914,7 @@
     <a:masterClrMapping/>
   </p:clrMapOvr>
   <mc:AlternateContent xmlns:mc="http://schemas.openxmlformats.org/markup-compatibility/2006">
-    <mc:Choice xmlns:p14="http://schemas.microsoft.com/office/powerpoint/2010/main" xmlns="" Requires="p14">
+    <mc:Choice xmlns="" xmlns:p14="http://schemas.microsoft.com/office/powerpoint/2010/main" Requires="p14">
       <p:transition spd="slow" p14:dur="1500">
         <p14:window dir="vert"/>
       </p:transition>
